--- a/ACL_MSU_Workshop2015/slides/MSU_workshop_day3_betaOslo_Larsen.pptx
+++ b/ACL_MSU_Workshop2015/slides/MSU_workshop_day3_betaOslo_Larsen.pptx
@@ -5,10 +5,10 @@
     <p:sldMasterId id="2147483648" r:id="rId1"/>
   </p:sldMasterIdLst>
   <p:notesMasterIdLst>
-    <p:notesMasterId r:id="rId27"/>
+    <p:notesMasterId r:id="rId28"/>
   </p:notesMasterIdLst>
   <p:handoutMasterIdLst>
-    <p:handoutMasterId r:id="rId28"/>
+    <p:handoutMasterId r:id="rId29"/>
   </p:handoutMasterIdLst>
   <p:sldIdLst>
     <p:sldId id="256" r:id="rId2"/>
@@ -34,8 +34,9 @@
     <p:sldId id="276" r:id="rId22"/>
     <p:sldId id="277" r:id="rId23"/>
     <p:sldId id="278" r:id="rId24"/>
-    <p:sldId id="279" r:id="rId25"/>
-    <p:sldId id="280" r:id="rId26"/>
+    <p:sldId id="281" r:id="rId25"/>
+    <p:sldId id="279" r:id="rId26"/>
+    <p:sldId id="280" r:id="rId27"/>
   </p:sldIdLst>
   <p:sldSz cx="9144000" cy="6858000" type="screen4x3"/>
   <p:notesSz cx="6858000" cy="9144000"/>
@@ -1062,7 +1063,15 @@
           <a:bodyPr/>
           <a:lstStyle/>
           <a:p>
-            <a:endParaRPr lang="en-US" dirty="0"/>
+            <a:r>
+              <a:rPr lang="en-US" dirty="0" smtClean="0"/>
+              <a:t>Discuss how it looks, compared to 56Fe </a:t>
+            </a:r>
+            <a:r>
+              <a:rPr lang="en-US" smtClean="0"/>
+              <a:t>for example</a:t>
+            </a:r>
+            <a:endParaRPr lang="en-US"/>
           </a:p>
         </p:txBody>
       </p:sp>
@@ -1168,6 +1177,90 @@
             <a:fld id="{566A9F76-C187-AB4E-B2B8-00B2B685340A}" type="slidenum">
               <a:rPr lang="en-US" smtClean="0"/>
               <a:t>25</a:t>
+            </a:fld>
+            <a:endParaRPr lang="en-US"/>
+          </a:p>
+        </p:txBody>
+      </p:sp>
+    </p:spTree>
+    <p:extLst>
+      <p:ext uri="{BB962C8B-B14F-4D97-AF65-F5344CB8AC3E}">
+        <p14:creationId xmlns:p14="http://schemas.microsoft.com/office/powerpoint/2010/main" val="3317419302"/>
+      </p:ext>
+    </p:extLst>
+  </p:cSld>
+  <p:clrMapOvr>
+    <a:masterClrMapping/>
+  </p:clrMapOvr>
+</p:notes>
+</file>
+
+<file path=ppt/notesSlides/notesSlide7.xml><?xml version="1.0" encoding="utf-8"?>
+<p:notes xmlns:a="http://schemas.openxmlformats.org/drawingml/2006/main" xmlns:r="http://schemas.openxmlformats.org/officeDocument/2006/relationships" xmlns:p="http://schemas.openxmlformats.org/presentationml/2006/main">
+  <p:cSld>
+    <p:spTree>
+      <p:nvGrpSpPr>
+        <p:cNvPr id="1" name=""/>
+        <p:cNvGrpSpPr/>
+        <p:nvPr/>
+      </p:nvGrpSpPr>
+      <p:grpSpPr>
+        <a:xfrm>
+          <a:off x="0" y="0"/>
+          <a:ext cx="0" cy="0"/>
+          <a:chOff x="0" y="0"/>
+          <a:chExt cx="0" cy="0"/>
+        </a:xfrm>
+      </p:grpSpPr>
+      <p:sp>
+        <p:nvSpPr>
+          <p:cNvPr id="2" name="Slide Image Placeholder 1"/>
+          <p:cNvSpPr>
+            <a:spLocks noGrp="1" noRot="1" noChangeAspect="1"/>
+          </p:cNvSpPr>
+          <p:nvPr>
+            <p:ph type="sldImg"/>
+          </p:nvPr>
+        </p:nvSpPr>
+        <p:spPr/>
+      </p:sp>
+      <p:sp>
+        <p:nvSpPr>
+          <p:cNvPr id="3" name="Notes Placeholder 2"/>
+          <p:cNvSpPr>
+            <a:spLocks noGrp="1"/>
+          </p:cNvSpPr>
+          <p:nvPr>
+            <p:ph type="body" idx="1"/>
+          </p:nvPr>
+        </p:nvSpPr>
+        <p:spPr/>
+        <p:txBody>
+          <a:bodyPr/>
+          <a:lstStyle/>
+          <a:p>
+            <a:endParaRPr lang="en-US" dirty="0"/>
+          </a:p>
+        </p:txBody>
+      </p:sp>
+      <p:sp>
+        <p:nvSpPr>
+          <p:cNvPr id="4" name="Slide Number Placeholder 3"/>
+          <p:cNvSpPr>
+            <a:spLocks noGrp="1"/>
+          </p:cNvSpPr>
+          <p:nvPr>
+            <p:ph type="sldNum" sz="quarter" idx="10"/>
+          </p:nvPr>
+        </p:nvSpPr>
+        <p:spPr/>
+        <p:txBody>
+          <a:bodyPr/>
+          <a:lstStyle/>
+          <a:p>
+            <a:fld id="{566A9F76-C187-AB4E-B2B8-00B2B685340A}" type="slidenum">
+              <a:rPr lang="en-US" smtClean="0"/>
+              <a:t>26</a:t>
             </a:fld>
             <a:endParaRPr lang="en-US"/>
           </a:p>
@@ -4700,28 +4793,14 @@
                   <a:latin typeface="Chalkboard"/>
                   <a:cs typeface="Chalkboard"/>
                 </a:rPr>
-                <a:t>Ga </a:t>
-              </a:r>
-              <a:r>
-                <a:rPr lang="en-US" dirty="0" smtClean="0">
-                  <a:latin typeface="Chalkboard"/>
-                  <a:cs typeface="Chalkboard"/>
-                </a:rPr>
-                <a:t>-&gt;</a:t>
+                <a:t>Ga -&gt;</a:t>
               </a:r>
               <a:r>
                 <a:rPr lang="en-US" baseline="30000" dirty="0" smtClean="0">
                   <a:latin typeface="Chalkboard"/>
                   <a:cs typeface="Chalkboard"/>
                 </a:rPr>
-                <a:t> </a:t>
-              </a:r>
-              <a:r>
-                <a:rPr lang="en-US" baseline="30000" dirty="0" smtClean="0">
-                  <a:latin typeface="Chalkboard"/>
-                  <a:cs typeface="Chalkboard"/>
-                </a:rPr>
-                <a:t>76</a:t>
+                <a:t> 76</a:t>
               </a:r>
               <a:r>
                 <a:rPr lang="en-US" dirty="0" smtClean="0">
@@ -13347,7 +13426,117 @@
                 <a:latin typeface="Chalkboard"/>
                 <a:cs typeface="Chalkboard"/>
               </a:rPr>
-              <a:t>Ge – first normalization</a:t>
+              <a:t>Ge – level density &amp; </a:t>
+            </a:r>
+            <a:r>
+              <a:rPr lang="en-US" sz="3600" b="1" dirty="0" smtClean="0">
+                <a:ln w="10541" cmpd="sng">
+                  <a:solidFill>
+                    <a:srgbClr val="000000"/>
+                  </a:solidFill>
+                  <a:prstDash val="solid"/>
+                </a:ln>
+                <a:gradFill>
+                  <a:gsLst>
+                    <a:gs pos="0">
+                      <a:schemeClr val="accent1">
+                        <a:tint val="40000"/>
+                        <a:satMod val="250000"/>
+                      </a:schemeClr>
+                    </a:gs>
+                    <a:gs pos="9000">
+                      <a:schemeClr val="accent1">
+                        <a:tint val="52000"/>
+                        <a:satMod val="300000"/>
+                      </a:schemeClr>
+                    </a:gs>
+                    <a:gs pos="50000">
+                      <a:schemeClr val="accent1">
+                        <a:shade val="20000"/>
+                        <a:satMod val="300000"/>
+                      </a:schemeClr>
+                    </a:gs>
+                    <a:gs pos="79000">
+                      <a:schemeClr val="accent1">
+                        <a:tint val="52000"/>
+                        <a:satMod val="300000"/>
+                      </a:schemeClr>
+                    </a:gs>
+                    <a:gs pos="100000">
+                      <a:schemeClr val="accent1">
+                        <a:tint val="40000"/>
+                        <a:satMod val="250000"/>
+                      </a:schemeClr>
+                    </a:gs>
+                  </a:gsLst>
+                  <a:lin ang="5400000"/>
+                </a:gradFill>
+                <a:effectLst>
+                  <a:innerShdw blurRad="63500" dist="50800" dir="13500000">
+                    <a:prstClr val="black">
+                      <a:alpha val="50000"/>
+                    </a:prstClr>
+                  </a:innerShdw>
+                </a:effectLst>
+                <a:latin typeface="Symbol" charset="2"/>
+                <a:cs typeface="Symbol" charset="2"/>
+              </a:rPr>
+              <a:t>g</a:t>
+            </a:r>
+            <a:r>
+              <a:rPr lang="en-US" sz="3600" b="1" dirty="0" smtClean="0">
+                <a:ln w="10541" cmpd="sng">
+                  <a:solidFill>
+                    <a:srgbClr val="000000"/>
+                  </a:solidFill>
+                  <a:prstDash val="solid"/>
+                </a:ln>
+                <a:gradFill>
+                  <a:gsLst>
+                    <a:gs pos="0">
+                      <a:schemeClr val="accent1">
+                        <a:tint val="40000"/>
+                        <a:satMod val="250000"/>
+                      </a:schemeClr>
+                    </a:gs>
+                    <a:gs pos="9000">
+                      <a:schemeClr val="accent1">
+                        <a:tint val="52000"/>
+                        <a:satMod val="300000"/>
+                      </a:schemeClr>
+                    </a:gs>
+                    <a:gs pos="50000">
+                      <a:schemeClr val="accent1">
+                        <a:shade val="20000"/>
+                        <a:satMod val="300000"/>
+                      </a:schemeClr>
+                    </a:gs>
+                    <a:gs pos="79000">
+                      <a:schemeClr val="accent1">
+                        <a:tint val="52000"/>
+                        <a:satMod val="300000"/>
+                      </a:schemeClr>
+                    </a:gs>
+                    <a:gs pos="100000">
+                      <a:schemeClr val="accent1">
+                        <a:tint val="40000"/>
+                        <a:satMod val="250000"/>
+                      </a:schemeClr>
+                    </a:gs>
+                  </a:gsLst>
+                  <a:lin ang="5400000"/>
+                </a:gradFill>
+                <a:effectLst>
+                  <a:innerShdw blurRad="63500" dist="50800" dir="13500000">
+                    <a:prstClr val="black">
+                      <a:alpha val="50000"/>
+                    </a:prstClr>
+                  </a:innerShdw>
+                </a:effectLst>
+                <a:latin typeface="Chalkboard"/>
+                <a:cs typeface="Chalkboard"/>
+              </a:rPr>
+              <a:t> strength</a:t>
             </a:r>
             <a:endParaRPr lang="en-US" sz="3600" b="1" dirty="0">
               <a:ln w="10541" cmpd="sng">
@@ -13413,6 +13602,453 @@
         <p:spPr>
           <a:xfrm>
             <a:off x="232326" y="1348294"/>
+            <a:ext cx="3919573" cy="400110"/>
+          </a:xfrm>
+          <a:prstGeom prst="rect">
+            <a:avLst/>
+          </a:prstGeom>
+          <a:noFill/>
+        </p:spPr>
+        <p:txBody>
+          <a:bodyPr wrap="none" rtlCol="0">
+            <a:spAutoFit/>
+          </a:bodyPr>
+          <a:lstStyle/>
+          <a:p>
+            <a:r>
+              <a:rPr lang="en-US" sz="2000" dirty="0" smtClean="0">
+                <a:latin typeface="Chalkboard"/>
+                <a:cs typeface="Chalkboard"/>
+              </a:rPr>
+              <a:t>Does it work? Yes!!! (I think </a:t>
+            </a:r>
+            <a:r>
+              <a:rPr lang="en-US" sz="2000" dirty="0" smtClean="0">
+                <a:latin typeface="Chalkboard"/>
+                <a:cs typeface="Chalkboard"/>
+              </a:rPr>
+              <a:t>😛 )</a:t>
+            </a:r>
+            <a:endParaRPr lang="en-US" sz="1600" dirty="0">
+              <a:latin typeface="Chalkboard"/>
+              <a:cs typeface="Chalkboard"/>
+            </a:endParaRPr>
+          </a:p>
+        </p:txBody>
+      </p:sp>
+      <p:pic>
+        <p:nvPicPr>
+          <p:cNvPr id="2" name="Picture 1" descr="does_it_work_76Ge.pdf"/>
+          <p:cNvPicPr>
+            <a:picLocks noChangeAspect="1"/>
+          </p:cNvPicPr>
+          <p:nvPr/>
+        </p:nvPicPr>
+        <p:blipFill>
+          <a:blip r:embed="rId3">
+            <a:extLst>
+              <a:ext uri="{28A0092B-C50C-407E-A947-70E740481C1C}">
+                <a14:useLocalDpi xmlns:a14="http://schemas.microsoft.com/office/drawing/2010/main" val="0"/>
+              </a:ext>
+            </a:extLst>
+          </a:blip>
+          <a:stretch>
+            <a:fillRect/>
+          </a:stretch>
+        </p:blipFill>
+        <p:spPr>
+          <a:xfrm rot="5400000">
+            <a:off x="2493914" y="-358807"/>
+            <a:ext cx="4156173" cy="8760409"/>
+          </a:xfrm>
+          <a:prstGeom prst="rect">
+            <a:avLst/>
+          </a:prstGeom>
+        </p:spPr>
+      </p:pic>
+    </p:spTree>
+    <p:extLst>
+      <p:ext uri="{BB962C8B-B14F-4D97-AF65-F5344CB8AC3E}">
+        <p14:creationId xmlns:p14="http://schemas.microsoft.com/office/powerpoint/2010/main" val="4032837212"/>
+      </p:ext>
+    </p:extLst>
+  </p:cSld>
+  <p:clrMapOvr>
+    <a:masterClrMapping/>
+  </p:clrMapOvr>
+  <p:timing>
+    <p:tnLst>
+      <p:par>
+        <p:cTn xmlns:p14="http://schemas.microsoft.com/office/powerpoint/2010/main" id="1" dur="indefinite" restart="never" nodeType="tmRoot"/>
+      </p:par>
+    </p:tnLst>
+  </p:timing>
+</p:sld>
+</file>
+
+<file path=ppt/slides/slide25.xml><?xml version="1.0" encoding="utf-8"?>
+<p:sld xmlns:a="http://schemas.openxmlformats.org/drawingml/2006/main" xmlns:r="http://schemas.openxmlformats.org/officeDocument/2006/relationships" xmlns:p="http://schemas.openxmlformats.org/presentationml/2006/main">
+  <p:cSld>
+    <p:spTree>
+      <p:nvGrpSpPr>
+        <p:cNvPr id="1" name=""/>
+        <p:cNvGrpSpPr/>
+        <p:nvPr/>
+      </p:nvGrpSpPr>
+      <p:grpSpPr>
+        <a:xfrm>
+          <a:off x="0" y="0"/>
+          <a:ext cx="0" cy="0"/>
+          <a:chOff x="0" y="0"/>
+          <a:chExt cx="0" cy="0"/>
+        </a:xfrm>
+      </p:grpSpPr>
+      <p:sp>
+        <p:nvSpPr>
+          <p:cNvPr id="4" name="Slide Number Placeholder 3"/>
+          <p:cNvSpPr>
+            <a:spLocks noGrp="1"/>
+          </p:cNvSpPr>
+          <p:nvPr>
+            <p:ph type="sldNum" sz="quarter" idx="12"/>
+          </p:nvPr>
+        </p:nvSpPr>
+        <p:spPr/>
+        <p:txBody>
+          <a:bodyPr/>
+          <a:lstStyle/>
+          <a:p>
+            <a:fld id="{65796072-C928-904A-A077-0A1B321ACB4E}" type="slidenum">
+              <a:rPr lang="en-US" smtClean="0"/>
+              <a:t>25</a:t>
+            </a:fld>
+            <a:endParaRPr lang="en-US"/>
+          </a:p>
+        </p:txBody>
+      </p:sp>
+      <p:sp>
+        <p:nvSpPr>
+          <p:cNvPr id="5" name="Title 1"/>
+          <p:cNvSpPr txBox="1">
+            <a:spLocks/>
+          </p:cNvSpPr>
+          <p:nvPr/>
+        </p:nvSpPr>
+        <p:spPr>
+          <a:xfrm>
+            <a:off x="232326" y="25328"/>
+            <a:ext cx="8287799" cy="1470025"/>
+          </a:xfrm>
+          <a:prstGeom prst="rect">
+            <a:avLst/>
+          </a:prstGeom>
+        </p:spPr>
+        <p:txBody>
+          <a:bodyPr vert="horz" lIns="91440" tIns="45720" rIns="91440" bIns="45720" rtlCol="0" anchor="ctr">
+            <a:normAutofit/>
+          </a:bodyPr>
+          <a:lstStyle>
+            <a:lvl1pPr algn="ctr" defTabSz="457200" rtl="0" eaLnBrk="1" latinLnBrk="0" hangingPunct="1">
+              <a:spcBef>
+                <a:spcPct val="0"/>
+              </a:spcBef>
+              <a:buNone/>
+              <a:defRPr sz="4400" kern="1200">
+                <a:solidFill>
+                  <a:schemeClr val="tx1"/>
+                </a:solidFill>
+                <a:latin typeface="+mj-lt"/>
+                <a:ea typeface="+mj-ea"/>
+                <a:cs typeface="+mj-cs"/>
+              </a:defRPr>
+            </a:lvl1pPr>
+          </a:lstStyle>
+          <a:p>
+            <a:pPr algn="l"/>
+            <a:r>
+              <a:rPr lang="en-US" sz="3600" b="1" dirty="0">
+                <a:ln w="10541" cmpd="sng">
+                  <a:solidFill>
+                    <a:srgbClr val="000000"/>
+                  </a:solidFill>
+                  <a:prstDash val="solid"/>
+                </a:ln>
+                <a:gradFill>
+                  <a:gsLst>
+                    <a:gs pos="0">
+                      <a:schemeClr val="accent1">
+                        <a:tint val="40000"/>
+                        <a:satMod val="250000"/>
+                      </a:schemeClr>
+                    </a:gs>
+                    <a:gs pos="9000">
+                      <a:schemeClr val="accent1">
+                        <a:tint val="52000"/>
+                        <a:satMod val="300000"/>
+                      </a:schemeClr>
+                    </a:gs>
+                    <a:gs pos="50000">
+                      <a:schemeClr val="accent1">
+                        <a:shade val="20000"/>
+                        <a:satMod val="300000"/>
+                      </a:schemeClr>
+                    </a:gs>
+                    <a:gs pos="79000">
+                      <a:schemeClr val="accent1">
+                        <a:tint val="52000"/>
+                        <a:satMod val="300000"/>
+                      </a:schemeClr>
+                    </a:gs>
+                    <a:gs pos="100000">
+                      <a:schemeClr val="accent1">
+                        <a:tint val="40000"/>
+                        <a:satMod val="250000"/>
+                      </a:schemeClr>
+                    </a:gs>
+                  </a:gsLst>
+                  <a:lin ang="5400000"/>
+                </a:gradFill>
+                <a:effectLst>
+                  <a:innerShdw blurRad="63500" dist="50800" dir="13500000">
+                    <a:prstClr val="black">
+                      <a:alpha val="50000"/>
+                    </a:prstClr>
+                  </a:innerShdw>
+                </a:effectLst>
+                <a:latin typeface="Chalkboard"/>
+                <a:cs typeface="Chalkboard"/>
+              </a:rPr>
+              <a:t>6</a:t>
+            </a:r>
+            <a:r>
+              <a:rPr lang="en-US" sz="3600" b="1" dirty="0" smtClean="0">
+                <a:ln w="10541" cmpd="sng">
+                  <a:solidFill>
+                    <a:srgbClr val="000000"/>
+                  </a:solidFill>
+                  <a:prstDash val="solid"/>
+                </a:ln>
+                <a:gradFill>
+                  <a:gsLst>
+                    <a:gs pos="0">
+                      <a:schemeClr val="accent1">
+                        <a:tint val="40000"/>
+                        <a:satMod val="250000"/>
+                      </a:schemeClr>
+                    </a:gs>
+                    <a:gs pos="9000">
+                      <a:schemeClr val="accent1">
+                        <a:tint val="52000"/>
+                        <a:satMod val="300000"/>
+                      </a:schemeClr>
+                    </a:gs>
+                    <a:gs pos="50000">
+                      <a:schemeClr val="accent1">
+                        <a:shade val="20000"/>
+                        <a:satMod val="300000"/>
+                      </a:schemeClr>
+                    </a:gs>
+                    <a:gs pos="79000">
+                      <a:schemeClr val="accent1">
+                        <a:tint val="52000"/>
+                        <a:satMod val="300000"/>
+                      </a:schemeClr>
+                    </a:gs>
+                    <a:gs pos="100000">
+                      <a:schemeClr val="accent1">
+                        <a:tint val="40000"/>
+                        <a:satMod val="250000"/>
+                      </a:schemeClr>
+                    </a:gs>
+                  </a:gsLst>
+                  <a:lin ang="5400000"/>
+                </a:gradFill>
+                <a:effectLst>
+                  <a:innerShdw blurRad="63500" dist="50800" dir="13500000">
+                    <a:prstClr val="black">
+                      <a:alpha val="50000"/>
+                    </a:prstClr>
+                  </a:innerShdw>
+                </a:effectLst>
+                <a:latin typeface="Chalkboard"/>
+                <a:cs typeface="Chalkboard"/>
+              </a:rPr>
+              <a:t>. </a:t>
+            </a:r>
+            <a:r>
+              <a:rPr lang="en-US" sz="3600" b="1" baseline="30000" dirty="0" smtClean="0">
+                <a:ln w="10541" cmpd="sng">
+                  <a:solidFill>
+                    <a:srgbClr val="000000"/>
+                  </a:solidFill>
+                  <a:prstDash val="solid"/>
+                </a:ln>
+                <a:gradFill>
+                  <a:gsLst>
+                    <a:gs pos="0">
+                      <a:schemeClr val="accent1">
+                        <a:tint val="40000"/>
+                        <a:satMod val="250000"/>
+                      </a:schemeClr>
+                    </a:gs>
+                    <a:gs pos="9000">
+                      <a:schemeClr val="accent1">
+                        <a:tint val="52000"/>
+                        <a:satMod val="300000"/>
+                      </a:schemeClr>
+                    </a:gs>
+                    <a:gs pos="50000">
+                      <a:schemeClr val="accent1">
+                        <a:shade val="20000"/>
+                        <a:satMod val="300000"/>
+                      </a:schemeClr>
+                    </a:gs>
+                    <a:gs pos="79000">
+                      <a:schemeClr val="accent1">
+                        <a:tint val="52000"/>
+                        <a:satMod val="300000"/>
+                      </a:schemeClr>
+                    </a:gs>
+                    <a:gs pos="100000">
+                      <a:schemeClr val="accent1">
+                        <a:tint val="40000"/>
+                        <a:satMod val="250000"/>
+                      </a:schemeClr>
+                    </a:gs>
+                  </a:gsLst>
+                  <a:lin ang="5400000"/>
+                </a:gradFill>
+                <a:effectLst>
+                  <a:innerShdw blurRad="63500" dist="50800" dir="13500000">
+                    <a:prstClr val="black">
+                      <a:alpha val="50000"/>
+                    </a:prstClr>
+                  </a:innerShdw>
+                </a:effectLst>
+                <a:latin typeface="Chalkboard"/>
+                <a:cs typeface="Chalkboard"/>
+              </a:rPr>
+              <a:t>76</a:t>
+            </a:r>
+            <a:r>
+              <a:rPr lang="en-US" sz="3600" b="1" dirty="0" smtClean="0">
+                <a:ln w="10541" cmpd="sng">
+                  <a:solidFill>
+                    <a:srgbClr val="000000"/>
+                  </a:solidFill>
+                  <a:prstDash val="solid"/>
+                </a:ln>
+                <a:gradFill>
+                  <a:gsLst>
+                    <a:gs pos="0">
+                      <a:schemeClr val="accent1">
+                        <a:tint val="40000"/>
+                        <a:satMod val="250000"/>
+                      </a:schemeClr>
+                    </a:gs>
+                    <a:gs pos="9000">
+                      <a:schemeClr val="accent1">
+                        <a:tint val="52000"/>
+                        <a:satMod val="300000"/>
+                      </a:schemeClr>
+                    </a:gs>
+                    <a:gs pos="50000">
+                      <a:schemeClr val="accent1">
+                        <a:shade val="20000"/>
+                        <a:satMod val="300000"/>
+                      </a:schemeClr>
+                    </a:gs>
+                    <a:gs pos="79000">
+                      <a:schemeClr val="accent1">
+                        <a:tint val="52000"/>
+                        <a:satMod val="300000"/>
+                      </a:schemeClr>
+                    </a:gs>
+                    <a:gs pos="100000">
+                      <a:schemeClr val="accent1">
+                        <a:tint val="40000"/>
+                        <a:satMod val="250000"/>
+                      </a:schemeClr>
+                    </a:gs>
+                  </a:gsLst>
+                  <a:lin ang="5400000"/>
+                </a:gradFill>
+                <a:effectLst>
+                  <a:innerShdw blurRad="63500" dist="50800" dir="13500000">
+                    <a:prstClr val="black">
+                      <a:alpha val="50000"/>
+                    </a:prstClr>
+                  </a:innerShdw>
+                </a:effectLst>
+                <a:latin typeface="Chalkboard"/>
+                <a:cs typeface="Chalkboard"/>
+              </a:rPr>
+              <a:t>Ge – first normalization</a:t>
+            </a:r>
+            <a:endParaRPr lang="en-US" sz="3600" b="1" dirty="0">
+              <a:ln w="10541" cmpd="sng">
+                <a:solidFill>
+                  <a:srgbClr val="000000"/>
+                </a:solidFill>
+                <a:prstDash val="solid"/>
+              </a:ln>
+              <a:gradFill>
+                <a:gsLst>
+                  <a:gs pos="0">
+                    <a:schemeClr val="accent1">
+                      <a:tint val="40000"/>
+                      <a:satMod val="250000"/>
+                    </a:schemeClr>
+                  </a:gs>
+                  <a:gs pos="9000">
+                    <a:schemeClr val="accent1">
+                      <a:tint val="52000"/>
+                      <a:satMod val="300000"/>
+                    </a:schemeClr>
+                  </a:gs>
+                  <a:gs pos="50000">
+                    <a:schemeClr val="accent1">
+                      <a:shade val="20000"/>
+                      <a:satMod val="300000"/>
+                    </a:schemeClr>
+                  </a:gs>
+                  <a:gs pos="79000">
+                    <a:schemeClr val="accent1">
+                      <a:tint val="52000"/>
+                      <a:satMod val="300000"/>
+                    </a:schemeClr>
+                  </a:gs>
+                  <a:gs pos="100000">
+                    <a:schemeClr val="accent1">
+                      <a:tint val="40000"/>
+                      <a:satMod val="250000"/>
+                    </a:schemeClr>
+                  </a:gs>
+                </a:gsLst>
+                <a:lin ang="5400000"/>
+              </a:gradFill>
+              <a:effectLst>
+                <a:innerShdw blurRad="63500" dist="50800" dir="13500000">
+                  <a:prstClr val="black">
+                    <a:alpha val="50000"/>
+                  </a:prstClr>
+                </a:innerShdw>
+              </a:effectLst>
+              <a:latin typeface="Chalkboard"/>
+              <a:cs typeface="Chalkboard"/>
+            </a:endParaRPr>
+          </a:p>
+        </p:txBody>
+      </p:sp>
+      <p:sp>
+        <p:nvSpPr>
+          <p:cNvPr id="3" name="TextBox 2"/>
+          <p:cNvSpPr txBox="1"/>
+          <p:nvPr/>
+        </p:nvSpPr>
+        <p:spPr>
+          <a:xfrm>
+            <a:off x="232326" y="1348294"/>
             <a:ext cx="4897303" cy="707886"/>
           </a:xfrm>
           <a:prstGeom prst="rect">
@@ -13431,14 +14067,7 @@
                 <a:latin typeface="Chalkboard"/>
                 <a:cs typeface="Chalkboard"/>
               </a:rPr>
-              <a:t>Codes: ‘robin’,  ‘counting’, ‘normalization</a:t>
-            </a:r>
-            <a:r>
-              <a:rPr lang="en-US" sz="2000" dirty="0" smtClean="0">
-                <a:latin typeface="Chalkboard"/>
-                <a:cs typeface="Chalkboard"/>
-              </a:rPr>
-              <a:t>’</a:t>
+              <a:t>Codes: ‘robin’,  ‘counting’, ‘normalization’</a:t>
             </a:r>
           </a:p>
           <a:p>
@@ -13581,23 +14210,98 @@
                 <a:latin typeface="Chalkboard"/>
                 <a:cs typeface="Chalkboard"/>
               </a:rPr>
-              <a:t>PROBLEM 2: We don’t really know the </a:t>
-            </a:r>
-            <a:r>
-              <a:rPr lang="en-US" sz="2000" dirty="0" smtClean="0">
-                <a:latin typeface="Chalkboard"/>
-                <a:cs typeface="Chalkboard"/>
-              </a:rPr>
-              <a:t>full spin </a:t>
-            </a:r>
-            <a:r>
-              <a:rPr lang="en-US" sz="2000" dirty="0" smtClean="0">
-                <a:latin typeface="Chalkboard"/>
-                <a:cs typeface="Chalkboard"/>
-              </a:rPr>
-              <a:t>distribution!</a:t>
+              <a:t>PROBLEM 2: We don’t really know the full spin distribution!</a:t>
             </a:r>
             <a:endParaRPr lang="en-US" sz="2000" dirty="0">
+              <a:latin typeface="Chalkboard"/>
+              <a:cs typeface="Chalkboard"/>
+            </a:endParaRPr>
+          </a:p>
+        </p:txBody>
+      </p:sp>
+      <p:sp>
+        <p:nvSpPr>
+          <p:cNvPr id="6" name="TextBox 5"/>
+          <p:cNvSpPr txBox="1"/>
+          <p:nvPr/>
+        </p:nvSpPr>
+        <p:spPr>
+          <a:xfrm>
+            <a:off x="438975" y="5613407"/>
+            <a:ext cx="7125838" cy="646331"/>
+          </a:xfrm>
+          <a:prstGeom prst="rect">
+            <a:avLst/>
+          </a:prstGeom>
+          <a:noFill/>
+        </p:spPr>
+        <p:txBody>
+          <a:bodyPr wrap="none" rtlCol="0">
+            <a:spAutoFit/>
+          </a:bodyPr>
+          <a:lstStyle/>
+          <a:p>
+            <a:r>
+              <a:rPr lang="en-US" dirty="0" smtClean="0">
+                <a:latin typeface="Chalkboard"/>
+                <a:cs typeface="Chalkboard"/>
+              </a:rPr>
+              <a:t>Neutron-</a:t>
+            </a:r>
+            <a:r>
+              <a:rPr lang="en-US" dirty="0">
+                <a:latin typeface="Chalkboard"/>
+                <a:cs typeface="Chalkboard"/>
+              </a:rPr>
+              <a:t>resonance data: RIPL-3 </a:t>
+            </a:r>
+            <a:r>
+              <a:rPr lang="en-US" dirty="0">
+                <a:latin typeface="Chalkboard"/>
+                <a:cs typeface="Chalkboard"/>
+                <a:hlinkClick r:id="rId3"/>
+              </a:rPr>
+              <a:t>https://www-nds.iaea.org/RIPL-3</a:t>
+            </a:r>
+            <a:r>
+              <a:rPr lang="en-US" dirty="0" smtClean="0">
+                <a:latin typeface="Chalkboard"/>
+                <a:cs typeface="Chalkboard"/>
+                <a:hlinkClick r:id="rId3"/>
+              </a:rPr>
+              <a:t>/</a:t>
+            </a:r>
+            <a:r>
+              <a:rPr lang="en-US" dirty="0" smtClean="0">
+                <a:latin typeface="Chalkboard"/>
+                <a:cs typeface="Chalkboard"/>
+              </a:rPr>
+              <a:t> </a:t>
+            </a:r>
+          </a:p>
+          <a:p>
+            <a:r>
+              <a:rPr lang="en-US" dirty="0" smtClean="0">
+                <a:latin typeface="Chalkboard"/>
+                <a:cs typeface="Chalkboard"/>
+              </a:rPr>
+              <a:t>Or </a:t>
+            </a:r>
+            <a:r>
+              <a:rPr lang="en-US" dirty="0" err="1" smtClean="0">
+                <a:latin typeface="Chalkboard"/>
+                <a:cs typeface="Chalkboard"/>
+              </a:rPr>
+              <a:t>Mughabghab’s</a:t>
+            </a:r>
+            <a:r>
+              <a:rPr lang="en-US" dirty="0" smtClean="0">
+                <a:latin typeface="Chalkboard"/>
+                <a:cs typeface="Chalkboard"/>
+              </a:rPr>
+              <a:t> atlas…  </a:t>
+            </a:r>
+            <a:endParaRPr lang="en-US" dirty="0">
               <a:latin typeface="Chalkboard"/>
               <a:cs typeface="Chalkboard"/>
             </a:endParaRPr>
@@ -13695,7 +14399,7 @@
 </p:sld>
 </file>
 
-<file path=ppt/slides/slide25.xml><?xml version="1.0" encoding="utf-8"?>
+<file path=ppt/slides/slide26.xml><?xml version="1.0" encoding="utf-8"?>
 <p:sld xmlns:a="http://schemas.openxmlformats.org/drawingml/2006/main" xmlns:r="http://schemas.openxmlformats.org/officeDocument/2006/relationships" xmlns:p="http://schemas.openxmlformats.org/presentationml/2006/main">
   <p:cSld>
     <p:spTree>
@@ -13729,7 +14433,7 @@
           <a:p>
             <a:fld id="{65796072-C928-904A-A077-0A1B321ACB4E}" type="slidenum">
               <a:rPr lang="en-US" smtClean="0"/>
-              <a:t>25</a:t>
+              <a:t>26</a:t>
             </a:fld>
             <a:endParaRPr lang="en-US"/>
           </a:p>
@@ -14076,14 +14780,7 @@
                 <a:latin typeface="Chalkboard"/>
                 <a:cs typeface="Chalkboard"/>
               </a:rPr>
-              <a:t>Systematics using phenomenological Fermi-gas parameters for </a:t>
-            </a:r>
-            <a:r>
-              <a:rPr lang="en-US" sz="2000" dirty="0" smtClean="0">
-                <a:latin typeface="Chalkboard"/>
-                <a:cs typeface="Chalkboard"/>
-              </a:rPr>
-              <a:t>the spin </a:t>
+              <a:t>Systematics using phenomenological Fermi-gas parameters for the spin </a:t>
             </a:r>
             <a:r>
               <a:rPr lang="en-US" sz="2000" dirty="0">
@@ -14099,10 +14796,6 @@
               </a:rPr>
               <a:t>systematics_D0_Gg</a:t>
             </a:r>
-            <a:endParaRPr lang="en-US" sz="2000" b="1" dirty="0" smtClean="0">
-              <a:latin typeface="Chalkboard"/>
-              <a:cs typeface="Chalkboard"/>
-            </a:endParaRPr>
           </a:p>
         </p:txBody>
       </p:sp>
@@ -18586,21 +19279,7 @@
                 <a:latin typeface="Chalkboard"/>
                 <a:cs typeface="Chalkboard"/>
               </a:rPr>
-              <a:t>) in a </a:t>
-            </a:r>
-            <a:r>
-              <a:rPr lang="en-US" sz="2400" dirty="0" smtClean="0">
-                <a:latin typeface="Chalkboard"/>
-                <a:cs typeface="Chalkboard"/>
-              </a:rPr>
-              <a:t>segmented total</a:t>
-            </a:r>
-            <a:r>
-              <a:rPr lang="en-US" sz="2400" dirty="0" smtClean="0">
-                <a:latin typeface="Chalkboard"/>
-                <a:cs typeface="Chalkboard"/>
-              </a:rPr>
-              <a:t>-absorption spectrometer</a:t>
+              <a:t>) in a segmented total-absorption spectrometer</a:t>
             </a:r>
           </a:p>
           <a:p>
@@ -19965,14 +20644,7 @@
                 <a:latin typeface="Chalkboard"/>
                 <a:cs typeface="Chalkboard"/>
               </a:rPr>
-              <a:t>+</a:t>
-            </a:r>
-            <a:r>
-              <a:rPr lang="en-US" sz="2400" dirty="0" smtClean="0">
-                <a:latin typeface="Chalkboard"/>
-                <a:cs typeface="Chalkboard"/>
-              </a:rPr>
-              <a:t>1)</a:t>
+              <a:t>+1)</a:t>
             </a:r>
             <a:endParaRPr lang="en-US" sz="2400" dirty="0">
               <a:latin typeface="Chalkboard"/>
@@ -22369,14 +23041,7 @@
                 <a:latin typeface="Chalkboard"/>
                 <a:cs typeface="Chalkboard"/>
               </a:rPr>
-              <a:t>Ge primary beam, 130 MeV/nucleon on thick Be target </a:t>
-            </a:r>
-            <a:r>
-              <a:rPr lang="en-US" dirty="0" smtClean="0">
-                <a:latin typeface="Chalkboard"/>
-                <a:cs typeface="Chalkboard"/>
-              </a:rPr>
-              <a:t>-&gt; </a:t>
+              <a:t>Ge primary beam, 130 MeV/nucleon on thick Be target -&gt; </a:t>
             </a:r>
             <a:r>
               <a:rPr lang="en-US" b="1" baseline="30000" dirty="0" smtClean="0">
